--- a/analysis/collisionDetection.pptx
+++ b/analysis/collisionDetection.pptx
@@ -4,10 +4,14 @@
   <p:sldMasterIdLst>
     <p:sldMasterId id="2147483648" r:id="rId1"/>
   </p:sldMasterIdLst>
+  <p:notesMasterIdLst>
+    <p:notesMasterId r:id="rId5"/>
+  </p:notesMasterIdLst>
   <p:sldIdLst>
     <p:sldId id="256" r:id="rId3"/>
     <p:sldId id="257" r:id="rId4"/>
-    <p:sldId id="258" r:id="rId5"/>
+    <p:sldId id="258" r:id="rId6"/>
+    <p:sldId id="259" r:id="rId7"/>
   </p:sldIdLst>
   <p:sldSz cx="12192000" cy="6858000"/>
   <p:notesSz cx="6858000" cy="9144000"/>
@@ -107,6 +111,401 @@
     </a:lvl9pPr>
   </p:defaultTextStyle>
 </p:presentation>
+</file>
+
+<file path=ppt/notesMasters/notesMaster1.xml><?xml version="1.0" encoding="utf-8"?>
+<p:notesMaster xmlns:a="http://schemas.openxmlformats.org/drawingml/2006/main" xmlns:r="http://schemas.openxmlformats.org/officeDocument/2006/relationships" xmlns:p="http://schemas.openxmlformats.org/presentationml/2006/main">
+  <p:cSld>
+    <p:bg>
+      <p:bgRef idx="1001">
+        <a:schemeClr val="bg1"/>
+      </p:bgRef>
+    </p:bg>
+    <p:spTree>
+      <p:nvGrpSpPr>
+        <p:cNvPr id="1" name=""/>
+        <p:cNvGrpSpPr/>
+        <p:nvPr/>
+      </p:nvGrpSpPr>
+      <p:grpSpPr>
+        <a:xfrm>
+          <a:off x="0" y="0"/>
+          <a:ext cx="0" cy="0"/>
+          <a:chOff x="0" y="0"/>
+          <a:chExt cx="0" cy="0"/>
+        </a:xfrm>
+      </p:grpSpPr>
+      <p:sp>
+        <p:nvSpPr>
+          <p:cNvPr id="2" name="页眉占位符 1"/>
+          <p:cNvSpPr>
+            <a:spLocks noGrp="1"/>
+          </p:cNvSpPr>
+          <p:nvPr>
+            <p:ph type="hdr" sz="quarter"/>
+          </p:nvPr>
+        </p:nvSpPr>
+        <p:spPr>
+          <a:xfrm>
+            <a:off x="0" y="0"/>
+            <a:ext cx="2971800" cy="458788"/>
+          </a:xfrm>
+          <a:prstGeom prst="rect">
+            <a:avLst/>
+          </a:prstGeom>
+        </p:spPr>
+        <p:txBody>
+          <a:bodyPr vert="horz" lIns="91440" tIns="45720" rIns="91440" bIns="45720" rtlCol="0"/>
+          <a:lstStyle>
+            <a:lvl1pPr algn="l">
+              <a:defRPr sz="1200"/>
+            </a:lvl1pPr>
+          </a:lstStyle>
+          <a:p>
+            <a:endParaRPr lang="zh-CN" altLang="en-US"/>
+          </a:p>
+        </p:txBody>
+      </p:sp>
+      <p:sp>
+        <p:nvSpPr>
+          <p:cNvPr id="3" name="日期占位符 2"/>
+          <p:cNvSpPr>
+            <a:spLocks noGrp="1"/>
+          </p:cNvSpPr>
+          <p:nvPr>
+            <p:ph type="dt" idx="1"/>
+          </p:nvPr>
+        </p:nvSpPr>
+        <p:spPr>
+          <a:xfrm>
+            <a:off x="3884613" y="0"/>
+            <a:ext cx="2971800" cy="458788"/>
+          </a:xfrm>
+          <a:prstGeom prst="rect">
+            <a:avLst/>
+          </a:prstGeom>
+        </p:spPr>
+        <p:txBody>
+          <a:bodyPr vert="horz" lIns="91440" tIns="45720" rIns="91440" bIns="45720" rtlCol="0"/>
+          <a:lstStyle>
+            <a:lvl1pPr algn="r">
+              <a:defRPr sz="1200"/>
+            </a:lvl1pPr>
+          </a:lstStyle>
+          <a:p>
+            <a:fld id="{D2A48B96-639E-45A3-A0BA-2464DFDB1FAA}" type="datetimeFigureOut">
+              <a:rPr lang="zh-CN" altLang="en-US" smtClean="0"/>
+            </a:fld>
+            <a:endParaRPr lang="zh-CN" altLang="en-US"/>
+          </a:p>
+        </p:txBody>
+      </p:sp>
+      <p:sp>
+        <p:nvSpPr>
+          <p:cNvPr id="4" name="幻灯片图像占位符 3"/>
+          <p:cNvSpPr>
+            <a:spLocks noGrp="1" noRot="1" noChangeAspect="1"/>
+          </p:cNvSpPr>
+          <p:nvPr>
+            <p:ph type="sldImg" idx="2"/>
+          </p:nvPr>
+        </p:nvSpPr>
+        <p:spPr>
+          <a:xfrm>
+            <a:off x="685800" y="1143000"/>
+            <a:ext cx="5486400" cy="3086100"/>
+          </a:xfrm>
+          <a:prstGeom prst="rect">
+            <a:avLst/>
+          </a:prstGeom>
+          <a:noFill/>
+          <a:ln w="12700">
+            <a:solidFill>
+              <a:prstClr val="black"/>
+            </a:solidFill>
+          </a:ln>
+        </p:spPr>
+        <p:txBody>
+          <a:bodyPr vert="horz" lIns="91440" tIns="45720" rIns="91440" bIns="45720" rtlCol="0" anchor="ctr"/>
+          <a:lstStyle/>
+          <a:p>
+            <a:endParaRPr lang="zh-CN" altLang="en-US"/>
+          </a:p>
+        </p:txBody>
+      </p:sp>
+      <p:sp>
+        <p:nvSpPr>
+          <p:cNvPr id="5" name="备注占位符 4"/>
+          <p:cNvSpPr>
+            <a:spLocks noGrp="1"/>
+          </p:cNvSpPr>
+          <p:nvPr>
+            <p:ph type="body" sz="quarter" idx="3"/>
+          </p:nvPr>
+        </p:nvSpPr>
+        <p:spPr>
+          <a:xfrm>
+            <a:off x="685800" y="4400550"/>
+            <a:ext cx="5486400" cy="3600450"/>
+          </a:xfrm>
+          <a:prstGeom prst="rect">
+            <a:avLst/>
+          </a:prstGeom>
+        </p:spPr>
+        <p:txBody>
+          <a:bodyPr vert="horz" lIns="91440" tIns="45720" rIns="91440" bIns="45720" rtlCol="0"/>
+          <a:lstStyle/>
+          <a:p>
+            <a:pPr lvl="0"/>
+            <a:r>
+              <a:rPr lang="zh-CN" altLang="en-US" smtClean="0"/>
+              <a:t>单击此处编辑母版文本样式</a:t>
+            </a:r>
+            <a:endParaRPr lang="zh-CN" altLang="en-US" smtClean="0"/>
+          </a:p>
+          <a:p>
+            <a:pPr lvl="1"/>
+            <a:r>
+              <a:rPr lang="zh-CN" altLang="en-US" smtClean="0"/>
+              <a:t>第二级</a:t>
+            </a:r>
+            <a:endParaRPr lang="zh-CN" altLang="en-US" smtClean="0"/>
+          </a:p>
+          <a:p>
+            <a:pPr lvl="2"/>
+            <a:r>
+              <a:rPr lang="zh-CN" altLang="en-US" smtClean="0"/>
+              <a:t>第三级</a:t>
+            </a:r>
+            <a:endParaRPr lang="zh-CN" altLang="en-US" smtClean="0"/>
+          </a:p>
+          <a:p>
+            <a:pPr lvl="3"/>
+            <a:r>
+              <a:rPr lang="zh-CN" altLang="en-US" smtClean="0"/>
+              <a:t>第四级</a:t>
+            </a:r>
+            <a:endParaRPr lang="zh-CN" altLang="en-US" smtClean="0"/>
+          </a:p>
+          <a:p>
+            <a:pPr lvl="4"/>
+            <a:r>
+              <a:rPr lang="zh-CN" altLang="en-US" smtClean="0"/>
+              <a:t>第五级</a:t>
+            </a:r>
+            <a:endParaRPr lang="zh-CN" altLang="en-US"/>
+          </a:p>
+        </p:txBody>
+      </p:sp>
+      <p:sp>
+        <p:nvSpPr>
+          <p:cNvPr id="6" name="页脚占位符 5"/>
+          <p:cNvSpPr>
+            <a:spLocks noGrp="1"/>
+          </p:cNvSpPr>
+          <p:nvPr>
+            <p:ph type="ftr" sz="quarter" idx="4"/>
+          </p:nvPr>
+        </p:nvSpPr>
+        <p:spPr>
+          <a:xfrm>
+            <a:off x="0" y="8685213"/>
+            <a:ext cx="2971800" cy="458787"/>
+          </a:xfrm>
+          <a:prstGeom prst="rect">
+            <a:avLst/>
+          </a:prstGeom>
+        </p:spPr>
+        <p:txBody>
+          <a:bodyPr vert="horz" lIns="91440" tIns="45720" rIns="91440" bIns="45720" rtlCol="0" anchor="b"/>
+          <a:lstStyle>
+            <a:lvl1pPr algn="l">
+              <a:defRPr sz="1200"/>
+            </a:lvl1pPr>
+          </a:lstStyle>
+          <a:p>
+            <a:endParaRPr lang="zh-CN" altLang="en-US"/>
+          </a:p>
+        </p:txBody>
+      </p:sp>
+      <p:sp>
+        <p:nvSpPr>
+          <p:cNvPr id="7" name="灯片编号占位符 6"/>
+          <p:cNvSpPr>
+            <a:spLocks noGrp="1"/>
+          </p:cNvSpPr>
+          <p:nvPr>
+            <p:ph type="sldNum" sz="quarter" idx="5"/>
+          </p:nvPr>
+        </p:nvSpPr>
+        <p:spPr>
+          <a:xfrm>
+            <a:off x="3884613" y="8685213"/>
+            <a:ext cx="2971800" cy="458787"/>
+          </a:xfrm>
+          <a:prstGeom prst="rect">
+            <a:avLst/>
+          </a:prstGeom>
+        </p:spPr>
+        <p:txBody>
+          <a:bodyPr vert="horz" lIns="91440" tIns="45720" rIns="91440" bIns="45720" rtlCol="0" anchor="b"/>
+          <a:lstStyle>
+            <a:lvl1pPr algn="r">
+              <a:defRPr sz="1200"/>
+            </a:lvl1pPr>
+          </a:lstStyle>
+          <a:p>
+            <a:fld id="{A6837353-30EB-4A48-80EB-173D804AEFBD}" type="slidenum">
+              <a:rPr lang="zh-CN" altLang="en-US" smtClean="0"/>
+            </a:fld>
+            <a:endParaRPr lang="zh-CN" altLang="en-US"/>
+          </a:p>
+        </p:txBody>
+      </p:sp>
+    </p:spTree>
+  </p:cSld>
+  <p:clrMap bg1="lt1" tx1="dk1" bg2="lt2" tx2="dk2" accent1="accent1" accent2="accent2" accent3="accent3" accent4="accent4" accent5="accent5" accent6="accent6" hlink="hlink" folHlink="folHlink"/>
+  <p:notesStyle>
+    <a:lvl1pPr marL="0" algn="l" defTabSz="914400" rtl="0" eaLnBrk="1" latinLnBrk="0" hangingPunct="1">
+      <a:defRPr sz="1200" kern="1200">
+        <a:solidFill>
+          <a:schemeClr val="tx1"/>
+        </a:solidFill>
+        <a:latin typeface="+mn-lt"/>
+        <a:ea typeface="+mn-ea"/>
+        <a:cs typeface="+mn-cs"/>
+      </a:defRPr>
+    </a:lvl1pPr>
+    <a:lvl2pPr marL="457200" algn="l" defTabSz="914400" rtl="0" eaLnBrk="1" latinLnBrk="0" hangingPunct="1">
+      <a:defRPr sz="1200" kern="1200">
+        <a:solidFill>
+          <a:schemeClr val="tx1"/>
+        </a:solidFill>
+        <a:latin typeface="+mn-lt"/>
+        <a:ea typeface="+mn-ea"/>
+        <a:cs typeface="+mn-cs"/>
+      </a:defRPr>
+    </a:lvl2pPr>
+    <a:lvl3pPr marL="914400" algn="l" defTabSz="914400" rtl="0" eaLnBrk="1" latinLnBrk="0" hangingPunct="1">
+      <a:defRPr sz="1200" kern="1200">
+        <a:solidFill>
+          <a:schemeClr val="tx1"/>
+        </a:solidFill>
+        <a:latin typeface="+mn-lt"/>
+        <a:ea typeface="+mn-ea"/>
+        <a:cs typeface="+mn-cs"/>
+      </a:defRPr>
+    </a:lvl3pPr>
+    <a:lvl4pPr marL="1371600" algn="l" defTabSz="914400" rtl="0" eaLnBrk="1" latinLnBrk="0" hangingPunct="1">
+      <a:defRPr sz="1200" kern="1200">
+        <a:solidFill>
+          <a:schemeClr val="tx1"/>
+        </a:solidFill>
+        <a:latin typeface="+mn-lt"/>
+        <a:ea typeface="+mn-ea"/>
+        <a:cs typeface="+mn-cs"/>
+      </a:defRPr>
+    </a:lvl4pPr>
+    <a:lvl5pPr marL="1828800" algn="l" defTabSz="914400" rtl="0" eaLnBrk="1" latinLnBrk="0" hangingPunct="1">
+      <a:defRPr sz="1200" kern="1200">
+        <a:solidFill>
+          <a:schemeClr val="tx1"/>
+        </a:solidFill>
+        <a:latin typeface="+mn-lt"/>
+        <a:ea typeface="+mn-ea"/>
+        <a:cs typeface="+mn-cs"/>
+      </a:defRPr>
+    </a:lvl5pPr>
+    <a:lvl6pPr marL="2286000" algn="l" defTabSz="914400" rtl="0" eaLnBrk="1" latinLnBrk="0" hangingPunct="1">
+      <a:defRPr sz="1200" kern="1200">
+        <a:solidFill>
+          <a:schemeClr val="tx1"/>
+        </a:solidFill>
+        <a:latin typeface="+mn-lt"/>
+        <a:ea typeface="+mn-ea"/>
+        <a:cs typeface="+mn-cs"/>
+      </a:defRPr>
+    </a:lvl6pPr>
+    <a:lvl7pPr marL="2743200" algn="l" defTabSz="914400" rtl="0" eaLnBrk="1" latinLnBrk="0" hangingPunct="1">
+      <a:defRPr sz="1200" kern="1200">
+        <a:solidFill>
+          <a:schemeClr val="tx1"/>
+        </a:solidFill>
+        <a:latin typeface="+mn-lt"/>
+        <a:ea typeface="+mn-ea"/>
+        <a:cs typeface="+mn-cs"/>
+      </a:defRPr>
+    </a:lvl7pPr>
+    <a:lvl8pPr marL="3200400" algn="l" defTabSz="914400" rtl="0" eaLnBrk="1" latinLnBrk="0" hangingPunct="1">
+      <a:defRPr sz="1200" kern="1200">
+        <a:solidFill>
+          <a:schemeClr val="tx1"/>
+        </a:solidFill>
+        <a:latin typeface="+mn-lt"/>
+        <a:ea typeface="+mn-ea"/>
+        <a:cs typeface="+mn-cs"/>
+      </a:defRPr>
+    </a:lvl8pPr>
+    <a:lvl9pPr marL="3657600" algn="l" defTabSz="914400" rtl="0" eaLnBrk="1" latinLnBrk="0" hangingPunct="1">
+      <a:defRPr sz="1200" kern="1200">
+        <a:solidFill>
+          <a:schemeClr val="tx1"/>
+        </a:solidFill>
+        <a:latin typeface="+mn-lt"/>
+        <a:ea typeface="+mn-ea"/>
+        <a:cs typeface="+mn-cs"/>
+      </a:defRPr>
+    </a:lvl9pPr>
+  </p:notesStyle>
+</p:notesMaster>
+</file>
+
+<file path=ppt/notesSlides/notesSlide1.xml><?xml version="1.0" encoding="utf-8"?>
+<p:notes xmlns:a="http://schemas.openxmlformats.org/drawingml/2006/main" xmlns:r="http://schemas.openxmlformats.org/officeDocument/2006/relationships" xmlns:p="http://schemas.openxmlformats.org/presentationml/2006/main">
+  <p:cSld>
+    <p:spTree>
+      <p:nvGrpSpPr>
+        <p:cNvPr id="1" name=""/>
+        <p:cNvGrpSpPr/>
+        <p:nvPr/>
+      </p:nvGrpSpPr>
+      <p:grpSpPr/>
+      <p:sp>
+        <p:nvSpPr>
+          <p:cNvPr id="2" name="幻灯片图像占位符 1"/>
+          <p:cNvSpPr>
+            <a:spLocks noGrp="1"/>
+          </p:cNvSpPr>
+          <p:nvPr>
+            <p:ph type="sldImg" idx="2"/>
+          </p:nvPr>
+        </p:nvSpPr>
+        <p:spPr/>
+      </p:sp>
+      <p:sp>
+        <p:nvSpPr>
+          <p:cNvPr id="3" name="文本占位符 2"/>
+          <p:cNvSpPr>
+            <a:spLocks noGrp="1"/>
+          </p:cNvSpPr>
+          <p:nvPr>
+            <p:ph type="body" idx="3"/>
+          </p:nvPr>
+        </p:nvSpPr>
+        <p:spPr/>
+        <p:txBody>
+          <a:bodyPr/>
+          <a:p>
+            <a:endParaRPr lang="zh-CN" altLang="en-US"/>
+          </a:p>
+        </p:txBody>
+      </p:sp>
+    </p:spTree>
+  </p:cSld>
+  <p:clrMapOvr>
+    <a:masterClrMapping/>
+  </p:clrMapOvr>
+</p:notes>
 </file>
 
 <file path=ppt/slideLayouts/slideLayout1.xml><?xml version="1.0" encoding="utf-8"?>
@@ -2953,6 +3352,64 @@
           </a:p>
         </p:txBody>
       </p:sp>
+      <p:sp>
+        <p:nvSpPr>
+          <p:cNvPr id="4" name="文本框 3"/>
+          <p:cNvSpPr txBox="1"/>
+          <p:nvPr/>
+        </p:nvSpPr>
+        <p:spPr>
+          <a:xfrm>
+            <a:off x="1647825" y="3536950"/>
+            <a:ext cx="4863465" cy="1198880"/>
+          </a:xfrm>
+          <a:prstGeom prst="rect">
+            <a:avLst/>
+          </a:prstGeom>
+          <a:noFill/>
+        </p:spPr>
+        <p:txBody>
+          <a:bodyPr wrap="square" rtlCol="0">
+            <a:spAutoFit/>
+          </a:bodyPr>
+          <a:p>
+            <a:r>
+              <a:rPr lang="zh-CN" altLang="en-US"/>
+              <a:t>都在收敛情况下</a:t>
+            </a:r>
+            <a:r>
+              <a:rPr lang="zh-CN" altLang="en-US"/>
+              <a:t>比较</a:t>
+            </a:r>
+            <a:endParaRPr lang="zh-CN" altLang="en-US"/>
+          </a:p>
+          <a:p>
+            <a:r>
+              <a:rPr lang="zh-CN" altLang="en-US"/>
+              <a:t>通过不同的约束实现更快的</a:t>
+            </a:r>
+            <a:r>
+              <a:rPr lang="zh-CN" altLang="en-US"/>
+              <a:t>效果</a:t>
+            </a:r>
+            <a:endParaRPr lang="zh-CN" altLang="en-US"/>
+          </a:p>
+          <a:p>
+            <a:endParaRPr lang="zh-CN" altLang="en-US"/>
+          </a:p>
+          <a:p>
+            <a:r>
+              <a:rPr lang="zh-CN" altLang="en-US"/>
+              <a:t>比较麻烦的点：四面体退化、四面体</a:t>
+            </a:r>
+            <a:r>
+              <a:rPr lang="zh-CN" altLang="en-US"/>
+              <a:t>反转</a:t>
+            </a:r>
+            <a:endParaRPr lang="zh-CN" altLang="en-US"/>
+          </a:p>
+        </p:txBody>
+      </p:sp>
     </p:spTree>
   </p:cSld>
   <p:clrMapOvr>
@@ -3056,9 +3513,128 @@
           </a:p>
         </p:txBody>
       </p:sp>
+      <p:sp>
+        <p:nvSpPr>
+          <p:cNvPr id="9" name="文本框 8"/>
+          <p:cNvSpPr txBox="1"/>
+          <p:nvPr/>
+        </p:nvSpPr>
+        <p:spPr>
+          <a:xfrm>
+            <a:off x="426720" y="834390"/>
+            <a:ext cx="5434330" cy="368300"/>
+          </a:xfrm>
+          <a:prstGeom prst="rect">
+            <a:avLst/>
+          </a:prstGeom>
+          <a:noFill/>
+        </p:spPr>
+        <p:txBody>
+          <a:bodyPr wrap="square" rtlCol="0">
+            <a:spAutoFit/>
+          </a:bodyPr>
+          <a:p>
+            <a:r>
+              <a:rPr lang="zh-CN" altLang="en-US"/>
+              <a:t>小球以相同速度运行至相同位置，然后停止并</a:t>
+            </a:r>
+            <a:r>
+              <a:rPr lang="zh-CN" altLang="en-US"/>
+              <a:t>截图</a:t>
+            </a:r>
+            <a:endParaRPr lang="zh-CN" altLang="en-US"/>
+          </a:p>
+        </p:txBody>
+      </p:sp>
+      <p:sp>
+        <p:nvSpPr>
+          <p:cNvPr id="10" name="文本框 9"/>
+          <p:cNvSpPr txBox="1"/>
+          <p:nvPr/>
+        </p:nvSpPr>
+        <p:spPr>
+          <a:xfrm>
+            <a:off x="1423670" y="4345940"/>
+            <a:ext cx="3441065" cy="368300"/>
+          </a:xfrm>
+          <a:prstGeom prst="rect">
+            <a:avLst/>
+          </a:prstGeom>
+          <a:noFill/>
+        </p:spPr>
+        <p:txBody>
+          <a:bodyPr wrap="square" rtlCol="0">
+            <a:spAutoFit/>
+          </a:bodyPr>
+          <a:p>
+            <a:r>
+              <a:rPr lang="zh-CN" altLang="en-US"/>
+              <a:t>仅用外部顶点碰撞</a:t>
+            </a:r>
+            <a:r>
+              <a:rPr lang="en-US" altLang="zh-CN"/>
+              <a:t> 102</a:t>
+            </a:r>
+            <a:r>
+              <a:rPr lang="zh-CN" altLang="en-US"/>
+              <a:t>个碰撞</a:t>
+            </a:r>
+            <a:r>
+              <a:rPr lang="zh-CN" altLang="en-US"/>
+              <a:t>点</a:t>
+            </a:r>
+            <a:endParaRPr lang="zh-CN" altLang="en-US"/>
+          </a:p>
+        </p:txBody>
+      </p:sp>
+      <p:sp>
+        <p:nvSpPr>
+          <p:cNvPr id="11" name="文本框 10"/>
+          <p:cNvSpPr txBox="1"/>
+          <p:nvPr/>
+        </p:nvSpPr>
+        <p:spPr>
+          <a:xfrm>
+            <a:off x="6873875" y="4345940"/>
+            <a:ext cx="3441065" cy="368300"/>
+          </a:xfrm>
+          <a:prstGeom prst="rect">
+            <a:avLst/>
+          </a:prstGeom>
+          <a:noFill/>
+        </p:spPr>
+        <p:txBody>
+          <a:bodyPr wrap="square" rtlCol="0">
+            <a:spAutoFit/>
+          </a:bodyPr>
+          <a:p>
+            <a:r>
+              <a:rPr lang="zh-CN" altLang="en-US"/>
+              <a:t>用</a:t>
+            </a:r>
+            <a:r>
+              <a:rPr lang="zh-CN" altLang="en-US"/>
+              <a:t>所有顶点碰撞</a:t>
+            </a:r>
+            <a:r>
+              <a:rPr lang="en-US" altLang="zh-CN"/>
+              <a:t> 150</a:t>
+            </a:r>
+            <a:r>
+              <a:rPr lang="zh-CN" altLang="en-US"/>
+              <a:t>个碰撞</a:t>
+            </a:r>
+            <a:r>
+              <a:rPr lang="zh-CN" altLang="en-US"/>
+              <a:t>点</a:t>
+            </a:r>
+            <a:endParaRPr lang="zh-CN" altLang="en-US"/>
+          </a:p>
+        </p:txBody>
+      </p:sp>
       <p:pic>
         <p:nvPicPr>
-          <p:cNvPr id="6" name="图片 5"/>
+          <p:cNvPr id="3" name="图片 2"/>
           <p:cNvPicPr>
             <a:picLocks noChangeAspect="1"/>
           </p:cNvPicPr>
@@ -3072,7 +3648,7 @@
         </p:blipFill>
         <p:spPr>
           <a:xfrm>
-            <a:off x="916940" y="1669415"/>
+            <a:off x="6282690" y="1669415"/>
             <a:ext cx="4624070" cy="2515870"/>
           </a:xfrm>
           <a:prstGeom prst="rect">
@@ -3082,7 +3658,7 @@
       </p:pic>
       <p:pic>
         <p:nvPicPr>
-          <p:cNvPr id="7" name="图片 6" descr="ae5d8bc23e27f7fffcf0baddce780dc"/>
+          <p:cNvPr id="8" name="图片 7"/>
           <p:cNvPicPr>
             <a:picLocks noChangeAspect="1"/>
           </p:cNvPicPr>
@@ -3096,7 +3672,7 @@
         </p:blipFill>
         <p:spPr>
           <a:xfrm>
-            <a:off x="6282690" y="1669415"/>
+            <a:off x="720090" y="1669415"/>
             <a:ext cx="4624070" cy="2515870"/>
           </a:xfrm>
           <a:prstGeom prst="rect">
@@ -3104,125 +3680,6 @@
           </a:prstGeom>
         </p:spPr>
       </p:pic>
-      <p:sp>
-        <p:nvSpPr>
-          <p:cNvPr id="9" name="文本框 8"/>
-          <p:cNvSpPr txBox="1"/>
-          <p:nvPr/>
-        </p:nvSpPr>
-        <p:spPr>
-          <a:xfrm>
-            <a:off x="426720" y="834390"/>
-            <a:ext cx="5434330" cy="368300"/>
-          </a:xfrm>
-          <a:prstGeom prst="rect">
-            <a:avLst/>
-          </a:prstGeom>
-          <a:noFill/>
-        </p:spPr>
-        <p:txBody>
-          <a:bodyPr wrap="square" rtlCol="0">
-            <a:spAutoFit/>
-          </a:bodyPr>
-          <a:p>
-            <a:r>
-              <a:rPr lang="zh-CN" altLang="en-US"/>
-              <a:t>小球以相同速度运行至相同位置，然后停止并</a:t>
-            </a:r>
-            <a:r>
-              <a:rPr lang="zh-CN" altLang="en-US"/>
-              <a:t>截图</a:t>
-            </a:r>
-            <a:endParaRPr lang="zh-CN" altLang="en-US"/>
-          </a:p>
-        </p:txBody>
-      </p:sp>
-      <p:sp>
-        <p:nvSpPr>
-          <p:cNvPr id="10" name="文本框 9"/>
-          <p:cNvSpPr txBox="1"/>
-          <p:nvPr/>
-        </p:nvSpPr>
-        <p:spPr>
-          <a:xfrm>
-            <a:off x="1423670" y="4345940"/>
-            <a:ext cx="3441065" cy="368300"/>
-          </a:xfrm>
-          <a:prstGeom prst="rect">
-            <a:avLst/>
-          </a:prstGeom>
-          <a:noFill/>
-        </p:spPr>
-        <p:txBody>
-          <a:bodyPr wrap="square" rtlCol="0">
-            <a:spAutoFit/>
-          </a:bodyPr>
-          <a:p>
-            <a:r>
-              <a:rPr lang="zh-CN" altLang="en-US"/>
-              <a:t>仅用外部顶点碰撞</a:t>
-            </a:r>
-            <a:r>
-              <a:rPr lang="en-US" altLang="zh-CN"/>
-              <a:t> 102</a:t>
-            </a:r>
-            <a:r>
-              <a:rPr lang="zh-CN" altLang="en-US"/>
-              <a:t>个碰撞</a:t>
-            </a:r>
-            <a:r>
-              <a:rPr lang="zh-CN" altLang="en-US"/>
-              <a:t>点</a:t>
-            </a:r>
-            <a:endParaRPr lang="zh-CN" altLang="en-US"/>
-          </a:p>
-        </p:txBody>
-      </p:sp>
-      <p:sp>
-        <p:nvSpPr>
-          <p:cNvPr id="11" name="文本框 10"/>
-          <p:cNvSpPr txBox="1"/>
-          <p:nvPr/>
-        </p:nvSpPr>
-        <p:spPr>
-          <a:xfrm>
-            <a:off x="6873875" y="4345940"/>
-            <a:ext cx="3441065" cy="368300"/>
-          </a:xfrm>
-          <a:prstGeom prst="rect">
-            <a:avLst/>
-          </a:prstGeom>
-          <a:noFill/>
-        </p:spPr>
-        <p:txBody>
-          <a:bodyPr wrap="square" rtlCol="0">
-            <a:spAutoFit/>
-          </a:bodyPr>
-          <a:p>
-            <a:r>
-              <a:rPr lang="zh-CN" altLang="en-US"/>
-              <a:t>用</a:t>
-            </a:r>
-            <a:r>
-              <a:rPr lang="zh-CN" altLang="en-US"/>
-              <a:t>所有顶点碰撞</a:t>
-            </a:r>
-            <a:r>
-              <a:rPr lang="en-US" altLang="zh-CN"/>
-              <a:t> 150</a:t>
-            </a:r>
-            <a:r>
-              <a:rPr lang="zh-CN" altLang="en-US"/>
-              <a:t>个碰撞</a:t>
-            </a:r>
-            <a:r>
-              <a:rPr lang="zh-CN" altLang="en-US"/>
-              <a:t>点</a:t>
-            </a:r>
-            <a:endParaRPr lang="zh-CN" altLang="en-US"/>
-          </a:p>
-        </p:txBody>
-      </p:sp>
     </p:spTree>
   </p:cSld>
   <p:clrMapOvr>
@@ -3249,8 +3706,8 @@
         </p:nvSpPr>
         <p:spPr>
           <a:xfrm>
-            <a:off x="819150" y="492125"/>
-            <a:ext cx="10370185" cy="1198880"/>
+            <a:off x="0" y="0"/>
+            <a:ext cx="12192000" cy="1198880"/>
           </a:xfrm>
           <a:prstGeom prst="rect">
             <a:avLst/>
@@ -3279,7 +3736,7 @@
             </a:r>
             <a:r>
               <a:rPr lang="zh-CN" altLang="en-US"/>
-              <a:t>会把顶点往回</a:t>
+              <a:t>弹簧约束，会把顶点往回</a:t>
             </a:r>
             <a:r>
               <a:rPr lang="en-US" altLang="zh-CN"/>
@@ -3293,7 +3750,15 @@
               <a:rPr lang="en-US" altLang="zh-CN"/>
               <a:t>”</a:t>
             </a:r>
-            <a:endParaRPr lang="en-US" altLang="zh-CN"/>
+            <a:r>
+              <a:rPr lang="zh-CN" altLang="en-US"/>
+              <a:t>，鲁棒但是非常</a:t>
+            </a:r>
+            <a:r>
+              <a:rPr lang="zh-CN" altLang="en-US"/>
+              <a:t>错</a:t>
+            </a:r>
+            <a:endParaRPr lang="zh-CN" altLang="en-US"/>
           </a:p>
           <a:p>
             <a:r>
@@ -3301,102 +3766,66 @@
               <a:t>2. </a:t>
             </a:r>
             <a:r>
-              <a:rPr lang="zh-CN" altLang="en-US">
-                <a:sym typeface="+mn-ea"/>
-              </a:rPr>
-              <a:t>推导出来的</a:t>
-            </a:r>
-            <a:r>
-              <a:rPr lang="en-US" altLang="zh-CN">
-                <a:sym typeface="+mn-ea"/>
-              </a:rPr>
-              <a:t> Hession </a:t>
-            </a:r>
-            <a:r>
-              <a:rPr lang="zh-CN" altLang="en-US">
-                <a:sym typeface="+mn-ea"/>
-              </a:rPr>
-              <a:t>矩阵是不可逆的，此时牛顿法不适用</a:t>
-            </a:r>
-            <a:endParaRPr lang="zh-CN" altLang="en-US">
-              <a:sym typeface="+mn-ea"/>
-            </a:endParaRPr>
-          </a:p>
-          <a:p>
-            <a:r>
-              <a:rPr lang="zh-CN" altLang="en-US">
-                <a:sym typeface="+mn-ea"/>
-              </a:rPr>
-              <a:t> </a:t>
-            </a:r>
-            <a:r>
-              <a:rPr lang="en-US" altLang="zh-CN">
-                <a:sym typeface="+mn-ea"/>
-              </a:rPr>
-              <a:t>    </a:t>
-            </a:r>
-            <a:r>
-              <a:rPr lang="zh-CN" altLang="en-US">
-                <a:sym typeface="+mn-ea"/>
-              </a:rPr>
-              <a:t>如果直接套用</a:t>
-            </a:r>
-            <a:r>
-              <a:rPr lang="en-US" altLang="zh-CN">
-                <a:sym typeface="+mn-ea"/>
-              </a:rPr>
-              <a:t> Jacobi Hession </a:t>
-            </a:r>
-            <a:r>
-              <a:rPr lang="zh-CN" altLang="en-US">
-                <a:sym typeface="+mn-ea"/>
-              </a:rPr>
-              <a:t>矩阵不是</a:t>
-            </a:r>
-            <a:r>
-              <a:rPr lang="zh-CN" altLang="en-US">
-                <a:sym typeface="+mn-ea"/>
-              </a:rPr>
-              <a:t>对角占优的，</a:t>
-            </a:r>
-            <a:r>
-              <a:rPr lang="en-US" altLang="zh-CN">
-                <a:sym typeface="+mn-ea"/>
-              </a:rPr>
+              <a:rPr lang="zh-CN" altLang="en-US"/>
+              <a:t>平面约束，也是双向的，但是此时推出的</a:t>
+            </a:r>
+            <a:r>
+              <a:rPr lang="en-US" altLang="zh-CN"/>
+              <a:t> Hessian </a:t>
+            </a:r>
+            <a:r>
+              <a:rPr lang="zh-CN" altLang="en-US"/>
+              <a:t>矩阵不可逆，牛顿法都不能工作，</a:t>
+            </a:r>
+            <a:r>
+              <a:rPr lang="en-US" altLang="zh-CN"/>
               <a:t>Jacobi </a:t>
             </a:r>
             <a:r>
-              <a:rPr lang="zh-CN" altLang="en-US">
-                <a:sym typeface="+mn-ea"/>
-              </a:rPr>
-              <a:t>发散，考虑</a:t>
-            </a:r>
-            <a:r>
-              <a:rPr lang="en-US" altLang="zh-CN">
-                <a:sym typeface="+mn-ea"/>
-              </a:rPr>
-              <a:t> Chebyshev </a:t>
-            </a:r>
-            <a:r>
-              <a:rPr lang="zh-CN" altLang="en-US">
-                <a:sym typeface="+mn-ea"/>
-              </a:rPr>
-              <a:t>？</a:t>
-            </a:r>
-            <a:endParaRPr lang="zh-CN" altLang="en-US"/>
-          </a:p>
-        </p:txBody>
-      </p:sp>
-      <p:sp>
-        <p:nvSpPr>
-          <p:cNvPr id="7" name="文本框 6"/>
+              <a:rPr lang="zh-CN" altLang="en-US"/>
+              <a:t>更是发散（</a:t>
+            </a:r>
+            <a:r>
+              <a:rPr lang="en-US" altLang="zh-CN"/>
+              <a:t>Chebyshev?</a:t>
+            </a:r>
+            <a:r>
+              <a:rPr lang="zh-CN" altLang="en-US"/>
+              <a:t>）</a:t>
+            </a:r>
+            <a:endParaRPr lang="en-US" altLang="zh-CN"/>
+          </a:p>
+          <a:p>
+            <a:r>
+              <a:rPr lang="en-US" altLang="zh-CN"/>
+              <a:t>3. </a:t>
+            </a:r>
+            <a:r>
+              <a:rPr lang="zh-CN" altLang="en-US"/>
+              <a:t>想要弹开软体，可以考虑单向的碰撞能量（牛顿法适用性差）或者施加惩罚力或者拟牛顿法（</a:t>
+            </a:r>
+            <a:r>
+              <a:rPr lang="en-US" altLang="zh-CN"/>
+              <a:t>Quasi-newton[TOG 2017]</a:t>
+            </a:r>
+            <a:r>
+              <a:rPr lang="zh-CN" altLang="en-US"/>
+              <a:t>）</a:t>
+            </a:r>
+            <a:endParaRPr lang="zh-CN" altLang="en-US"/>
+          </a:p>
+        </p:txBody>
+      </p:sp>
+      <p:sp>
+        <p:nvSpPr>
+          <p:cNvPr id="5" name="文本框 4"/>
           <p:cNvSpPr txBox="1"/>
           <p:nvPr/>
         </p:nvSpPr>
         <p:spPr>
           <a:xfrm>
-            <a:off x="819150" y="2023745"/>
-            <a:ext cx="8602345" cy="922020"/>
+            <a:off x="268605" y="1697990"/>
+            <a:ext cx="6388735" cy="368300"/>
           </a:xfrm>
           <a:prstGeom prst="rect">
             <a:avLst/>
@@ -3409,54 +3838,225 @@
           </a:bodyPr>
           <a:p>
             <a:r>
+              <a:rPr lang="zh-CN" altLang="en-US"/>
+              <a:t>所有顶点参与</a:t>
+            </a:r>
+            <a:r>
+              <a:rPr lang="zh-CN" altLang="en-US"/>
+              <a:t>碰撞，顶点弹簧约束</a:t>
+            </a:r>
+            <a:r>
               <a:rPr lang="en-US" altLang="zh-CN"/>
-              <a:t>1. </a:t>
-            </a:r>
-            <a:r>
-              <a:rPr lang="zh-CN" altLang="en-US"/>
-              <a:t>对于双向的碰撞约束，碰撞范围之外的能量是错误的，能量的最小值无法</a:t>
-            </a:r>
-            <a:r>
-              <a:rPr lang="zh-CN" altLang="en-US"/>
-              <a:t>找到</a:t>
-            </a:r>
-            <a:endParaRPr lang="zh-CN" altLang="en-US"/>
-          </a:p>
+              <a:t> vs </a:t>
+            </a:r>
+            <a:r>
+              <a:rPr lang="zh-CN" altLang="en-US"/>
+              <a:t>顶点平面</a:t>
+            </a:r>
+            <a:r>
+              <a:rPr lang="zh-CN" altLang="en-US"/>
+              <a:t>约束</a:t>
+            </a:r>
+            <a:endParaRPr lang="zh-CN" altLang="en-US"/>
+          </a:p>
+        </p:txBody>
+      </p:sp>
+      <p:pic>
+        <p:nvPicPr>
+          <p:cNvPr id="6" name="图片 5"/>
+          <p:cNvPicPr>
+            <a:picLocks noChangeAspect="1"/>
+          </p:cNvPicPr>
+          <p:nvPr/>
+        </p:nvPicPr>
+        <p:blipFill>
+          <a:blip r:embed="rId1"/>
+          <a:stretch>
+            <a:fillRect/>
+          </a:stretch>
+        </p:blipFill>
+        <p:spPr>
+          <a:xfrm>
+            <a:off x="1490345" y="2364105"/>
+            <a:ext cx="4624070" cy="2515870"/>
+          </a:xfrm>
+          <a:prstGeom prst="rect">
+            <a:avLst/>
+          </a:prstGeom>
+        </p:spPr>
+      </p:pic>
+      <p:sp>
+        <p:nvSpPr>
+          <p:cNvPr id="8" name="文本框 7"/>
+          <p:cNvSpPr txBox="1"/>
+          <p:nvPr/>
+        </p:nvSpPr>
+        <p:spPr>
+          <a:xfrm>
+            <a:off x="9309735" y="113030"/>
+            <a:ext cx="956945" cy="368300"/>
+          </a:xfrm>
+          <a:prstGeom prst="rect">
+            <a:avLst/>
+          </a:prstGeom>
+          <a:noFill/>
+        </p:spPr>
+        <p:txBody>
+          <a:bodyPr wrap="square" rtlCol="0">
+            <a:spAutoFit/>
+          </a:bodyPr>
           <a:p>
             <a:r>
               <a:rPr lang="en-US" altLang="zh-CN"/>
-              <a:t>     </a:t>
-            </a:r>
-            <a:r>
-              <a:rPr lang="zh-CN" altLang="en-US"/>
-              <a:t>考虑单项约束，但是需要考虑牛顿法是否有用（大概率是没用</a:t>
-            </a:r>
-            <a:r>
-              <a:rPr lang="zh-CN" altLang="en-US"/>
-              <a:t>的）</a:t>
-            </a:r>
-            <a:endParaRPr lang="zh-CN" altLang="en-US"/>
-          </a:p>
-          <a:p>
-            <a:r>
-              <a:rPr lang="en-US" altLang="zh-CN"/>
-              <a:t>2. </a:t>
-            </a:r>
-            <a:r>
-              <a:rPr lang="zh-CN" altLang="en-US"/>
-              <a:t>包括对于双向的平面能量，牛顿法是否能够工作？（</a:t>
-            </a:r>
-            <a:r>
-              <a:rPr lang="en-US" altLang="zh-CN"/>
-              <a:t>Hession </a:t>
-            </a:r>
-            <a:r>
-              <a:rPr lang="zh-CN" altLang="en-US"/>
-              <a:t>阵</a:t>
-            </a:r>
-            <a:r>
-              <a:rPr lang="zh-CN" altLang="en-US"/>
-              <a:t>不可逆）</a:t>
+              <a:t>L-BFGS</a:t>
+            </a:r>
+            <a:endParaRPr lang="en-US" altLang="zh-CN"/>
+          </a:p>
+        </p:txBody>
+      </p:sp>
+      <p:pic>
+        <p:nvPicPr>
+          <p:cNvPr id="9" name="图片 8" descr="ae5d8bc23e27f7fffcf0baddce780dc"/>
+          <p:cNvPicPr>
+            <a:picLocks noChangeAspect="1"/>
+          </p:cNvPicPr>
+          <p:nvPr/>
+        </p:nvPicPr>
+        <p:blipFill>
+          <a:blip r:embed="rId2"/>
+          <a:stretch>
+            <a:fillRect/>
+          </a:stretch>
+        </p:blipFill>
+        <p:spPr>
+          <a:xfrm>
+            <a:off x="6203315" y="2364105"/>
+            <a:ext cx="4624070" cy="2515870"/>
+          </a:xfrm>
+          <a:prstGeom prst="rect">
+            <a:avLst/>
+          </a:prstGeom>
+        </p:spPr>
+      </p:pic>
+      <p:sp>
+        <p:nvSpPr>
+          <p:cNvPr id="10" name="文本框 9"/>
+          <p:cNvSpPr txBox="1"/>
+          <p:nvPr/>
+        </p:nvSpPr>
+        <p:spPr>
+          <a:xfrm>
+            <a:off x="7848600" y="5066665"/>
+            <a:ext cx="1635760" cy="368300"/>
+          </a:xfrm>
+          <a:prstGeom prst="rect">
+            <a:avLst/>
+          </a:prstGeom>
+          <a:noFill/>
+        </p:spPr>
+        <p:txBody>
+          <a:bodyPr wrap="square" rtlCol="0">
+            <a:spAutoFit/>
+          </a:bodyPr>
+          <a:p>
+            <a:r>
+              <a:rPr lang="zh-CN" altLang="en-US"/>
+              <a:t>顶点平面</a:t>
+            </a:r>
+            <a:r>
+              <a:rPr lang="zh-CN" altLang="en-US"/>
+              <a:t>约束</a:t>
+            </a:r>
+            <a:endParaRPr lang="zh-CN" altLang="en-US"/>
+          </a:p>
+        </p:txBody>
+      </p:sp>
+      <p:sp>
+        <p:nvSpPr>
+          <p:cNvPr id="11" name="文本框 10"/>
+          <p:cNvSpPr txBox="1"/>
+          <p:nvPr/>
+        </p:nvSpPr>
+        <p:spPr>
+          <a:xfrm>
+            <a:off x="3752850" y="6096635"/>
+            <a:ext cx="6258560" cy="368300"/>
+          </a:xfrm>
+          <a:prstGeom prst="rect">
+            <a:avLst/>
+          </a:prstGeom>
+          <a:noFill/>
+        </p:spPr>
+        <p:txBody>
+          <a:bodyPr wrap="square" rtlCol="0">
+            <a:spAutoFit/>
+          </a:bodyPr>
+          <a:p>
+            <a:r>
+              <a:rPr lang="zh-CN" altLang="en-US"/>
+              <a:t>理论上，平面约束求出来的投影点和顶点约束是一样的</a:t>
+            </a:r>
+            <a:endParaRPr lang="zh-CN" altLang="en-US"/>
+          </a:p>
+        </p:txBody>
+      </p:sp>
+      <p:sp>
+        <p:nvSpPr>
+          <p:cNvPr id="12" name="文本框 11"/>
+          <p:cNvSpPr txBox="1"/>
+          <p:nvPr/>
+        </p:nvSpPr>
+        <p:spPr>
+          <a:xfrm>
+            <a:off x="2983230" y="5066665"/>
+            <a:ext cx="1638300" cy="368300"/>
+          </a:xfrm>
+          <a:prstGeom prst="rect">
+            <a:avLst/>
+          </a:prstGeom>
+          <a:noFill/>
+        </p:spPr>
+        <p:txBody>
+          <a:bodyPr wrap="square" rtlCol="0">
+            <a:spAutoFit/>
+          </a:bodyPr>
+          <a:p>
+            <a:r>
+              <a:rPr lang="zh-CN" altLang="en-US"/>
+              <a:t>顶点弹簧</a:t>
+            </a:r>
+            <a:r>
+              <a:rPr lang="zh-CN" altLang="en-US"/>
+              <a:t>约束</a:t>
+            </a:r>
+            <a:endParaRPr lang="zh-CN" altLang="en-US"/>
+          </a:p>
+        </p:txBody>
+      </p:sp>
+      <p:sp>
+        <p:nvSpPr>
+          <p:cNvPr id="13" name="文本框 12"/>
+          <p:cNvSpPr txBox="1"/>
+          <p:nvPr/>
+        </p:nvSpPr>
+        <p:spPr>
+          <a:xfrm>
+            <a:off x="5619750" y="5558155"/>
+            <a:ext cx="1400175" cy="368300"/>
+          </a:xfrm>
+          <a:prstGeom prst="rect">
+            <a:avLst/>
+          </a:prstGeom>
+          <a:noFill/>
+        </p:spPr>
+        <p:txBody>
+          <a:bodyPr wrap="square" rtlCol="0">
+            <a:spAutoFit/>
+          </a:bodyPr>
+          <a:p>
+            <a:r>
+              <a:rPr lang="zh-CN" altLang="en-US"/>
+              <a:t>基本没区别</a:t>
             </a:r>
             <a:endParaRPr lang="zh-CN" altLang="en-US"/>
           </a:p>
@@ -3468,6 +4068,523 @@
     <a:masterClrMapping/>
   </p:clrMapOvr>
 </p:sld>
+</file>
+
+<file path=ppt/slides/slide4.xml><?xml version="1.0" encoding="utf-8"?>
+<p:sld xmlns:a="http://schemas.openxmlformats.org/drawingml/2006/main" xmlns:r="http://schemas.openxmlformats.org/officeDocument/2006/relationships" xmlns:p="http://schemas.openxmlformats.org/presentationml/2006/main">
+  <p:cSld>
+    <p:spTree>
+      <p:nvGrpSpPr>
+        <p:cNvPr id="1" name=""/>
+        <p:cNvGrpSpPr/>
+        <p:nvPr/>
+      </p:nvGrpSpPr>
+      <p:grpSpPr/>
+      <p:sp>
+        <p:nvSpPr>
+          <p:cNvPr id="4" name="文本框 3"/>
+          <p:cNvSpPr txBox="1"/>
+          <p:nvPr/>
+        </p:nvSpPr>
+        <p:spPr>
+          <a:xfrm>
+            <a:off x="298450" y="300990"/>
+            <a:ext cx="3073400" cy="368300"/>
+          </a:xfrm>
+          <a:prstGeom prst="rect">
+            <a:avLst/>
+          </a:prstGeom>
+          <a:noFill/>
+        </p:spPr>
+        <p:txBody>
+          <a:bodyPr wrap="square" rtlCol="0">
+            <a:spAutoFit/>
+          </a:bodyPr>
+          <a:p>
+            <a:r>
+              <a:rPr lang="zh-CN" altLang="en-US"/>
+              <a:t>三角形响应</a:t>
+            </a:r>
+            <a:r>
+              <a:rPr lang="en-US" altLang="zh-CN"/>
+              <a:t> vs </a:t>
+            </a:r>
+            <a:r>
+              <a:rPr lang="zh-CN" altLang="en-US"/>
+              <a:t>四面体</a:t>
+            </a:r>
+            <a:r>
+              <a:rPr lang="zh-CN" altLang="en-US"/>
+              <a:t>响应</a:t>
+            </a:r>
+            <a:endParaRPr lang="zh-CN" altLang="en-US"/>
+          </a:p>
+        </p:txBody>
+      </p:sp>
+      <p:pic>
+        <p:nvPicPr>
+          <p:cNvPr id="7" name="图片 6" descr="ae5d8bc23e27f7fffcf0baddce780dc"/>
+          <p:cNvPicPr>
+            <a:picLocks noChangeAspect="1"/>
+          </p:cNvPicPr>
+          <p:nvPr>
+            <p:custDataLst>
+              <p:tags r:id="rId1"/>
+            </p:custDataLst>
+          </p:nvPr>
+        </p:nvPicPr>
+        <p:blipFill>
+          <a:blip r:embed="rId2"/>
+          <a:stretch>
+            <a:fillRect/>
+          </a:stretch>
+        </p:blipFill>
+        <p:spPr>
+          <a:xfrm>
+            <a:off x="1080770" y="669290"/>
+            <a:ext cx="4624070" cy="2515870"/>
+          </a:xfrm>
+          <a:prstGeom prst="rect">
+            <a:avLst/>
+          </a:prstGeom>
+        </p:spPr>
+      </p:pic>
+      <p:pic>
+        <p:nvPicPr>
+          <p:cNvPr id="6" name="图片 5"/>
+          <p:cNvPicPr>
+            <a:picLocks noChangeAspect="1"/>
+          </p:cNvPicPr>
+          <p:nvPr>
+            <p:custDataLst>
+              <p:tags r:id="rId3"/>
+            </p:custDataLst>
+          </p:nvPr>
+        </p:nvPicPr>
+        <p:blipFill>
+          <a:blip r:embed="rId4"/>
+          <a:stretch>
+            <a:fillRect/>
+          </a:stretch>
+        </p:blipFill>
+        <p:spPr>
+          <a:xfrm>
+            <a:off x="6421755" y="797560"/>
+            <a:ext cx="4624070" cy="2515870"/>
+          </a:xfrm>
+          <a:prstGeom prst="rect">
+            <a:avLst/>
+          </a:prstGeom>
+        </p:spPr>
+      </p:pic>
+      <p:sp>
+        <p:nvSpPr>
+          <p:cNvPr id="8" name="文本框 7"/>
+          <p:cNvSpPr txBox="1"/>
+          <p:nvPr>
+            <p:custDataLst>
+              <p:tags r:id="rId5"/>
+            </p:custDataLst>
+          </p:nvPr>
+        </p:nvSpPr>
+        <p:spPr>
+          <a:xfrm>
+            <a:off x="2145665" y="3914140"/>
+            <a:ext cx="2776855" cy="368300"/>
+          </a:xfrm>
+          <a:prstGeom prst="rect">
+            <a:avLst/>
+          </a:prstGeom>
+          <a:noFill/>
+        </p:spPr>
+        <p:txBody>
+          <a:bodyPr wrap="square" rtlCol="0">
+            <a:spAutoFit/>
+          </a:bodyPr>
+          <a:p>
+            <a:r>
+              <a:rPr lang="zh-CN" altLang="en-US"/>
+              <a:t>顶点碰撞检测以及</a:t>
+            </a:r>
+            <a:r>
+              <a:rPr lang="zh-CN" altLang="en-US"/>
+              <a:t>响应</a:t>
+            </a:r>
+            <a:endParaRPr lang="zh-CN" altLang="en-US"/>
+          </a:p>
+        </p:txBody>
+      </p:sp>
+      <p:sp>
+        <p:nvSpPr>
+          <p:cNvPr id="9" name="文本框 8"/>
+          <p:cNvSpPr txBox="1"/>
+          <p:nvPr>
+            <p:custDataLst>
+              <p:tags r:id="rId6"/>
+            </p:custDataLst>
+          </p:nvPr>
+        </p:nvSpPr>
+        <p:spPr>
+          <a:xfrm>
+            <a:off x="7564120" y="3820795"/>
+            <a:ext cx="2911475" cy="368300"/>
+          </a:xfrm>
+          <a:prstGeom prst="rect">
+            <a:avLst/>
+          </a:prstGeom>
+          <a:noFill/>
+        </p:spPr>
+        <p:txBody>
+          <a:bodyPr wrap="square" rtlCol="0">
+            <a:spAutoFit/>
+          </a:bodyPr>
+          <a:p>
+            <a:r>
+              <a:rPr lang="zh-CN" altLang="en-US"/>
+              <a:t>三角形碰撞检测以及</a:t>
+            </a:r>
+            <a:r>
+              <a:rPr lang="zh-CN" altLang="en-US"/>
+              <a:t>响应</a:t>
+            </a:r>
+            <a:endParaRPr lang="zh-CN" altLang="en-US"/>
+          </a:p>
+        </p:txBody>
+      </p:sp>
+      <p:pic>
+        <p:nvPicPr>
+          <p:cNvPr id="11" name="图片 10"/>
+          <p:cNvPicPr>
+            <a:picLocks noChangeAspect="1"/>
+          </p:cNvPicPr>
+          <p:nvPr>
+            <p:custDataLst>
+              <p:tags r:id="rId7"/>
+            </p:custDataLst>
+          </p:nvPr>
+        </p:nvPicPr>
+        <p:blipFill>
+          <a:blip r:embed="rId8"/>
+          <a:stretch>
+            <a:fillRect/>
+          </a:stretch>
+        </p:blipFill>
+        <p:spPr>
+          <a:xfrm>
+            <a:off x="6421755" y="2686685"/>
+            <a:ext cx="4624070" cy="2515870"/>
+          </a:xfrm>
+          <a:prstGeom prst="rect">
+            <a:avLst/>
+          </a:prstGeom>
+        </p:spPr>
+      </p:pic>
+      <p:pic>
+        <p:nvPicPr>
+          <p:cNvPr id="12" name="图片 11"/>
+          <p:cNvPicPr>
+            <a:picLocks noChangeAspect="1"/>
+          </p:cNvPicPr>
+          <p:nvPr>
+            <p:custDataLst>
+              <p:tags r:id="rId9"/>
+            </p:custDataLst>
+          </p:nvPr>
+        </p:nvPicPr>
+        <p:blipFill>
+          <a:blip r:embed="rId10"/>
+          <a:stretch>
+            <a:fillRect/>
+          </a:stretch>
+        </p:blipFill>
+        <p:spPr>
+          <a:xfrm>
+            <a:off x="1158240" y="3313430"/>
+            <a:ext cx="4624070" cy="2515870"/>
+          </a:xfrm>
+          <a:prstGeom prst="rect">
+            <a:avLst/>
+          </a:prstGeom>
+        </p:spPr>
+      </p:pic>
+      <p:pic>
+        <p:nvPicPr>
+          <p:cNvPr id="13" name="图片 12"/>
+          <p:cNvPicPr>
+            <a:picLocks noChangeAspect="1"/>
+          </p:cNvPicPr>
+          <p:nvPr>
+            <p:custDataLst>
+              <p:tags r:id="rId11"/>
+            </p:custDataLst>
+          </p:nvPr>
+        </p:nvPicPr>
+        <p:blipFill>
+          <a:blip r:embed="rId12"/>
+          <a:stretch>
+            <a:fillRect/>
+          </a:stretch>
+        </p:blipFill>
+        <p:spPr>
+          <a:xfrm>
+            <a:off x="6487795" y="3914140"/>
+            <a:ext cx="4624070" cy="2515870"/>
+          </a:xfrm>
+          <a:prstGeom prst="rect">
+            <a:avLst/>
+          </a:prstGeom>
+        </p:spPr>
+      </p:pic>
+      <p:sp>
+        <p:nvSpPr>
+          <p:cNvPr id="14" name="文本框 13"/>
+          <p:cNvSpPr txBox="1"/>
+          <p:nvPr/>
+        </p:nvSpPr>
+        <p:spPr>
+          <a:xfrm>
+            <a:off x="337185" y="1409065"/>
+            <a:ext cx="4064000" cy="368300"/>
+          </a:xfrm>
+          <a:prstGeom prst="rect">
+            <a:avLst/>
+          </a:prstGeom>
+          <a:noFill/>
+        </p:spPr>
+        <p:txBody>
+          <a:bodyPr wrap="square" rtlCol="0">
+            <a:spAutoFit/>
+          </a:bodyPr>
+          <a:p>
+            <a:r>
+              <a:rPr lang="en-US" altLang="zh-CN"/>
+              <a:t>32</a:t>
+            </a:r>
+            <a:endParaRPr lang="en-US" altLang="zh-CN"/>
+          </a:p>
+        </p:txBody>
+      </p:sp>
+      <p:sp>
+        <p:nvSpPr>
+          <p:cNvPr id="15" name="文本框 14"/>
+          <p:cNvSpPr txBox="1"/>
+          <p:nvPr/>
+        </p:nvSpPr>
+        <p:spPr>
+          <a:xfrm>
+            <a:off x="298450" y="2906395"/>
+            <a:ext cx="521335" cy="368300"/>
+          </a:xfrm>
+          <a:prstGeom prst="rect">
+            <a:avLst/>
+          </a:prstGeom>
+          <a:noFill/>
+        </p:spPr>
+        <p:txBody>
+          <a:bodyPr wrap="square" rtlCol="0">
+            <a:spAutoFit/>
+          </a:bodyPr>
+          <a:p>
+            <a:r>
+              <a:rPr lang="en-US" altLang="zh-CN"/>
+              <a:t>64</a:t>
+            </a:r>
+            <a:endParaRPr lang="en-US" altLang="zh-CN"/>
+          </a:p>
+        </p:txBody>
+      </p:sp>
+      <p:sp>
+        <p:nvSpPr>
+          <p:cNvPr id="16" name="文本框 15"/>
+          <p:cNvSpPr txBox="1"/>
+          <p:nvPr/>
+        </p:nvSpPr>
+        <p:spPr>
+          <a:xfrm>
+            <a:off x="11595735" y="3662045"/>
+            <a:ext cx="4064000" cy="368300"/>
+          </a:xfrm>
+          <a:prstGeom prst="rect">
+            <a:avLst/>
+          </a:prstGeom>
+          <a:noFill/>
+        </p:spPr>
+        <p:txBody>
+          <a:bodyPr wrap="square" rtlCol="0">
+            <a:spAutoFit/>
+          </a:bodyPr>
+          <a:p>
+            <a:r>
+              <a:rPr lang="en-US" altLang="zh-CN"/>
+              <a:t>64</a:t>
+            </a:r>
+            <a:endParaRPr lang="en-US" altLang="zh-CN"/>
+          </a:p>
+        </p:txBody>
+      </p:sp>
+      <p:sp>
+        <p:nvSpPr>
+          <p:cNvPr id="17" name="文本框 16"/>
+          <p:cNvSpPr txBox="1"/>
+          <p:nvPr/>
+        </p:nvSpPr>
+        <p:spPr>
+          <a:xfrm>
+            <a:off x="11612880" y="1485900"/>
+            <a:ext cx="4064000" cy="368300"/>
+          </a:xfrm>
+          <a:prstGeom prst="rect">
+            <a:avLst/>
+          </a:prstGeom>
+          <a:noFill/>
+        </p:spPr>
+        <p:txBody>
+          <a:bodyPr wrap="square" rtlCol="0">
+            <a:spAutoFit/>
+          </a:bodyPr>
+          <a:p>
+            <a:r>
+              <a:rPr lang="en-US" altLang="zh-CN"/>
+              <a:t>32</a:t>
+            </a:r>
+            <a:endParaRPr lang="en-US" altLang="zh-CN"/>
+          </a:p>
+        </p:txBody>
+      </p:sp>
+      <p:sp>
+        <p:nvSpPr>
+          <p:cNvPr id="18" name="文本框 17"/>
+          <p:cNvSpPr txBox="1"/>
+          <p:nvPr/>
+        </p:nvSpPr>
+        <p:spPr>
+          <a:xfrm>
+            <a:off x="11391900" y="5614035"/>
+            <a:ext cx="4064000" cy="368300"/>
+          </a:xfrm>
+          <a:prstGeom prst="rect">
+            <a:avLst/>
+          </a:prstGeom>
+          <a:noFill/>
+        </p:spPr>
+        <p:txBody>
+          <a:bodyPr wrap="square" rtlCol="0">
+            <a:spAutoFit/>
+          </a:bodyPr>
+          <a:p>
+            <a:r>
+              <a:rPr lang="en-US" altLang="zh-CN"/>
+              <a:t>64+2</a:t>
+            </a:r>
+            <a:r>
+              <a:rPr lang="en-US" altLang="zh-CN"/>
+              <a:t>k</a:t>
+            </a:r>
+            <a:endParaRPr lang="en-US" altLang="zh-CN"/>
+          </a:p>
+        </p:txBody>
+      </p:sp>
+      <p:pic>
+        <p:nvPicPr>
+          <p:cNvPr id="19" name="图片 18"/>
+          <p:cNvPicPr>
+            <a:picLocks noChangeAspect="1"/>
+          </p:cNvPicPr>
+          <p:nvPr/>
+        </p:nvPicPr>
+        <p:blipFill>
+          <a:blip r:embed="rId13"/>
+          <a:stretch>
+            <a:fillRect/>
+          </a:stretch>
+        </p:blipFill>
+        <p:spPr>
+          <a:xfrm>
+            <a:off x="1080770" y="4131310"/>
+            <a:ext cx="4624070" cy="2515870"/>
+          </a:xfrm>
+          <a:prstGeom prst="rect">
+            <a:avLst/>
+          </a:prstGeom>
+        </p:spPr>
+      </p:pic>
+      <p:sp>
+        <p:nvSpPr>
+          <p:cNvPr id="20" name="文本框 19"/>
+          <p:cNvSpPr txBox="1"/>
+          <p:nvPr/>
+        </p:nvSpPr>
+        <p:spPr>
+          <a:xfrm>
+            <a:off x="142875" y="5512435"/>
+            <a:ext cx="1155065" cy="368300"/>
+          </a:xfrm>
+          <a:prstGeom prst="rect">
+            <a:avLst/>
+          </a:prstGeom>
+          <a:noFill/>
+        </p:spPr>
+        <p:txBody>
+          <a:bodyPr wrap="square" rtlCol="0">
+            <a:spAutoFit/>
+          </a:bodyPr>
+          <a:p>
+            <a:r>
+              <a:rPr lang="en-US" altLang="zh-CN"/>
+              <a:t>64+2k</a:t>
+            </a:r>
+            <a:endParaRPr lang="en-US" altLang="zh-CN"/>
+          </a:p>
+        </p:txBody>
+      </p:sp>
+    </p:spTree>
+  </p:cSld>
+  <p:clrMapOvr>
+    <a:masterClrMapping/>
+  </p:clrMapOvr>
+</p:sld>
+</file>
+
+<file path=ppt/tags/tag1.xml><?xml version="1.0" encoding="utf-8"?>
+<p:tagLst xmlns:p="http://schemas.openxmlformats.org/presentationml/2006/main">
+  <p:tag name="KSO_WM_DIAGRAM_VIRTUALLY_FRAME" val="{&quot;height&quot;:477.45000610351565,&quot;left&quot;:41.25,&quot;top&quot;:62.55,&quot;width&quot;:834.5000061035156}"/>
+</p:tagLst>
+</file>
+
+<file path=ppt/tags/tag2.xml><?xml version="1.0" encoding="utf-8"?>
+<p:tagLst xmlns:p="http://schemas.openxmlformats.org/presentationml/2006/main">
+  <p:tag name="KSO_WM_DIAGRAM_VIRTUALLY_FRAME" val="{&quot;height&quot;:477.45000610351565,&quot;left&quot;:41.25,&quot;top&quot;:62.55,&quot;width&quot;:834.5000061035156}"/>
+</p:tagLst>
+</file>
+
+<file path=ppt/tags/tag3.xml><?xml version="1.0" encoding="utf-8"?>
+<p:tagLst xmlns:p="http://schemas.openxmlformats.org/presentationml/2006/main">
+  <p:tag name="KSO_WM_DIAGRAM_VIRTUALLY_FRAME" val="{&quot;height&quot;:477.45000610351565,&quot;left&quot;:41.25,&quot;top&quot;:62.55,&quot;width&quot;:834.5000061035156}"/>
+</p:tagLst>
+</file>
+
+<file path=ppt/tags/tag4.xml><?xml version="1.0" encoding="utf-8"?>
+<p:tagLst xmlns:p="http://schemas.openxmlformats.org/presentationml/2006/main">
+  <p:tag name="KSO_WM_DIAGRAM_VIRTUALLY_FRAME" val="{&quot;height&quot;:477.45000610351565,&quot;left&quot;:41.25,&quot;top&quot;:62.55,&quot;width&quot;:834.5000061035156}"/>
+</p:tagLst>
+</file>
+
+<file path=ppt/tags/tag5.xml><?xml version="1.0" encoding="utf-8"?>
+<p:tagLst xmlns:p="http://schemas.openxmlformats.org/presentationml/2006/main">
+  <p:tag name="KSO_WM_DIAGRAM_VIRTUALLY_FRAME" val="{&quot;height&quot;:477.45000610351565,&quot;left&quot;:41.25,&quot;top&quot;:62.55,&quot;width&quot;:834.5000061035156}"/>
+</p:tagLst>
+</file>
+
+<file path=ppt/tags/tag6.xml><?xml version="1.0" encoding="utf-8"?>
+<p:tagLst xmlns:p="http://schemas.openxmlformats.org/presentationml/2006/main">
+  <p:tag name="KSO_WM_DIAGRAM_VIRTUALLY_FRAME" val="{&quot;height&quot;:477.45000610351565,&quot;left&quot;:41.25,&quot;top&quot;:62.55,&quot;width&quot;:834.5000061035156}"/>
+</p:tagLst>
+</file>
+
+<file path=ppt/tags/tag7.xml><?xml version="1.0" encoding="utf-8"?>
+<p:tagLst xmlns:p="http://schemas.openxmlformats.org/presentationml/2006/main">
+  <p:tag name="KSO_WM_DIAGRAM_VIRTUALLY_FRAME" val="{&quot;height&quot;:477.45000610351565,&quot;left&quot;:41.25,&quot;top&quot;:62.55,&quot;width&quot;:834.5000061035156}"/>
+</p:tagLst>
 </file>
 
 <file path=ppt/theme/theme1.xml><?xml version="1.0" encoding="utf-8"?>
@@ -3719,4 +4836,263 @@
     </a:ext>
   </a:extLst>
 </a:theme>
+</file>
+
+<file path=ppt/theme/theme2.xml><?xml version="1.0" encoding="utf-8"?>
+<a:theme xmlns:a="http://schemas.openxmlformats.org/drawingml/2006/main" name="Office 主题">
+  <a:themeElements>
+    <a:clrScheme name="Office">
+      <a:dk1>
+        <a:sysClr val="windowText" lastClr="000000"/>
+      </a:dk1>
+      <a:lt1>
+        <a:sysClr val="window" lastClr="FFFFFF"/>
+      </a:lt1>
+      <a:dk2>
+        <a:srgbClr val="44546A"/>
+      </a:dk2>
+      <a:lt2>
+        <a:srgbClr val="E7E6E6"/>
+      </a:lt2>
+      <a:accent1>
+        <a:srgbClr val="5B9BD5"/>
+      </a:accent1>
+      <a:accent2>
+        <a:srgbClr val="ED7D31"/>
+      </a:accent2>
+      <a:accent3>
+        <a:srgbClr val="A5A5A5"/>
+      </a:accent3>
+      <a:accent4>
+        <a:srgbClr val="FFC000"/>
+      </a:accent4>
+      <a:accent5>
+        <a:srgbClr val="4472C4"/>
+      </a:accent5>
+      <a:accent6>
+        <a:srgbClr val="70AD47"/>
+      </a:accent6>
+      <a:hlink>
+        <a:srgbClr val="0563C1"/>
+      </a:hlink>
+      <a:folHlink>
+        <a:srgbClr val="954F72"/>
+      </a:folHlink>
+    </a:clrScheme>
+    <a:fontScheme name="Office">
+      <a:majorFont>
+        <a:latin typeface="Calibri Light"/>
+        <a:ea typeface=""/>
+        <a:cs typeface=""/>
+        <a:font script="Jpan" typeface="ＭＳ Ｐゴシック"/>
+        <a:font script="Hang" typeface="맑은 고딕"/>
+        <a:font script="Hans" typeface="宋体"/>
+        <a:font script="Hant" typeface="新細明體"/>
+        <a:font script="Arab" typeface="Times New Roman"/>
+        <a:font script="Hebr" typeface="Times New Roman"/>
+        <a:font script="Thai" typeface="Angsana New"/>
+        <a:font script="Ethi" typeface="Nyala"/>
+        <a:font script="Beng" typeface="Vrinda"/>
+        <a:font script="Gujr" typeface="Shruti"/>
+        <a:font script="Khmr" typeface="MoolBoran"/>
+        <a:font script="Knda" typeface="Tunga"/>
+        <a:font script="Guru" typeface="Raavi"/>
+        <a:font script="Cans" typeface="Euphemia"/>
+        <a:font script="Cher" typeface="Plantagenet Cherokee"/>
+        <a:font script="Yiii" typeface="Microsoft Yi Baiti"/>
+        <a:font script="Tibt" typeface="Microsoft Himalaya"/>
+        <a:font script="Thaa" typeface="MV Boli"/>
+        <a:font script="Deva" typeface="Mangal"/>
+        <a:font script="Telu" typeface="Gautami"/>
+        <a:font script="Taml" typeface="Latha"/>
+        <a:font script="Syrc" typeface="Estrangelo Edessa"/>
+        <a:font script="Orya" typeface="Kalinga"/>
+        <a:font script="Mlym" typeface="Kartika"/>
+        <a:font script="Laoo" typeface="DokChampa"/>
+        <a:font script="Sinh" typeface="Iskoola Pota"/>
+        <a:font script="Mong" typeface="Mongolian Baiti"/>
+        <a:font script="Viet" typeface="Times New Roman"/>
+        <a:font script="Uigh" typeface="Microsoft Uighur"/>
+        <a:font script="Geor" typeface="Sylfaen"/>
+      </a:majorFont>
+      <a:minorFont>
+        <a:latin typeface="Calibri"/>
+        <a:ea typeface=""/>
+        <a:cs typeface=""/>
+        <a:font script="Jpan" typeface="ＭＳ Ｐゴシック"/>
+        <a:font script="Hang" typeface="맑은 고딕"/>
+        <a:font script="Hans" typeface="宋体"/>
+        <a:font script="Hant" typeface="新細明體"/>
+        <a:font script="Arab" typeface="Arial"/>
+        <a:font script="Hebr" typeface="Arial"/>
+        <a:font script="Thai" typeface="Cordia New"/>
+        <a:font script="Ethi" typeface="Nyala"/>
+        <a:font script="Beng" typeface="Vrinda"/>
+        <a:font script="Gujr" typeface="Shruti"/>
+        <a:font script="Khmr" typeface="DaunPenh"/>
+        <a:font script="Knda" typeface="Tunga"/>
+        <a:font script="Guru" typeface="Raavi"/>
+        <a:font script="Cans" typeface="Euphemia"/>
+        <a:font script="Cher" typeface="Plantagenet Cherokee"/>
+        <a:font script="Yiii" typeface="Microsoft Yi Baiti"/>
+        <a:font script="Tibt" typeface="Microsoft Himalaya"/>
+        <a:font script="Thaa" typeface="MV Boli"/>
+        <a:font script="Deva" typeface="Mangal"/>
+        <a:font script="Telu" typeface="Gautami"/>
+        <a:font script="Taml" typeface="Latha"/>
+        <a:font script="Syrc" typeface="Estrangelo Edessa"/>
+        <a:font script="Orya" typeface="Kalinga"/>
+        <a:font script="Mlym" typeface="Kartika"/>
+        <a:font script="Laoo" typeface="DokChampa"/>
+        <a:font script="Sinh" typeface="Iskoola Pota"/>
+        <a:font script="Mong" typeface="Mongolian Baiti"/>
+        <a:font script="Viet" typeface="Arial"/>
+        <a:font script="Uigh" typeface="Microsoft Uighur"/>
+        <a:font script="Geor" typeface="Sylfaen"/>
+      </a:minorFont>
+    </a:fontScheme>
+    <a:fmtScheme name="Office">
+      <a:fillStyleLst>
+        <a:solidFill>
+          <a:schemeClr val="phClr"/>
+        </a:solidFill>
+        <a:gradFill rotWithShape="1">
+          <a:gsLst>
+            <a:gs pos="0">
+              <a:schemeClr val="phClr">
+                <a:lumMod val="110000"/>
+                <a:satMod val="105000"/>
+                <a:tint val="67000"/>
+              </a:schemeClr>
+            </a:gs>
+            <a:gs pos="50000">
+              <a:schemeClr val="phClr">
+                <a:lumMod val="105000"/>
+                <a:satMod val="103000"/>
+                <a:tint val="73000"/>
+              </a:schemeClr>
+            </a:gs>
+            <a:gs pos="100000">
+              <a:schemeClr val="phClr">
+                <a:lumMod val="105000"/>
+                <a:satMod val="109000"/>
+                <a:tint val="81000"/>
+              </a:schemeClr>
+            </a:gs>
+          </a:gsLst>
+          <a:lin ang="5400000" scaled="0"/>
+        </a:gradFill>
+        <a:gradFill rotWithShape="1">
+          <a:gsLst>
+            <a:gs pos="0">
+              <a:schemeClr val="phClr">
+                <a:satMod val="103000"/>
+                <a:lumMod val="102000"/>
+                <a:tint val="94000"/>
+              </a:schemeClr>
+            </a:gs>
+            <a:gs pos="50000">
+              <a:schemeClr val="phClr">
+                <a:satMod val="110000"/>
+                <a:lumMod val="100000"/>
+                <a:shade val="100000"/>
+              </a:schemeClr>
+            </a:gs>
+            <a:gs pos="100000">
+              <a:schemeClr val="phClr">
+                <a:lumMod val="99000"/>
+                <a:satMod val="120000"/>
+                <a:shade val="78000"/>
+              </a:schemeClr>
+            </a:gs>
+          </a:gsLst>
+          <a:lin ang="5400000" scaled="0"/>
+        </a:gradFill>
+      </a:fillStyleLst>
+      <a:lnStyleLst>
+        <a:ln w="6350" cap="flat" cmpd="sng" algn="ctr">
+          <a:solidFill>
+            <a:schemeClr val="phClr"/>
+          </a:solidFill>
+          <a:prstDash val="solid"/>
+          <a:miter lim="800000"/>
+        </a:ln>
+        <a:ln w="12700" cap="flat" cmpd="sng" algn="ctr">
+          <a:solidFill>
+            <a:schemeClr val="phClr"/>
+          </a:solidFill>
+          <a:prstDash val="solid"/>
+          <a:miter lim="800000"/>
+        </a:ln>
+        <a:ln w="19050" cap="flat" cmpd="sng" algn="ctr">
+          <a:solidFill>
+            <a:schemeClr val="phClr"/>
+          </a:solidFill>
+          <a:prstDash val="solid"/>
+          <a:miter lim="800000"/>
+        </a:ln>
+      </a:lnStyleLst>
+      <a:effectStyleLst>
+        <a:effectStyle>
+          <a:effectLst/>
+        </a:effectStyle>
+        <a:effectStyle>
+          <a:effectLst/>
+        </a:effectStyle>
+        <a:effectStyle>
+          <a:effectLst>
+            <a:outerShdw blurRad="57150" dist="19050" dir="5400000" algn="ctr" rotWithShape="0">
+              <a:srgbClr val="000000">
+                <a:alpha val="63000"/>
+              </a:srgbClr>
+            </a:outerShdw>
+          </a:effectLst>
+        </a:effectStyle>
+      </a:effectStyleLst>
+      <a:bgFillStyleLst>
+        <a:solidFill>
+          <a:schemeClr val="phClr"/>
+        </a:solidFill>
+        <a:solidFill>
+          <a:schemeClr val="phClr">
+            <a:tint val="95000"/>
+            <a:satMod val="170000"/>
+          </a:schemeClr>
+        </a:solidFill>
+        <a:gradFill rotWithShape="1">
+          <a:gsLst>
+            <a:gs pos="0">
+              <a:schemeClr val="phClr">
+                <a:tint val="93000"/>
+                <a:satMod val="150000"/>
+                <a:shade val="98000"/>
+                <a:lumMod val="102000"/>
+              </a:schemeClr>
+            </a:gs>
+            <a:gs pos="50000">
+              <a:schemeClr val="phClr">
+                <a:tint val="98000"/>
+                <a:satMod val="130000"/>
+                <a:shade val="90000"/>
+                <a:lumMod val="103000"/>
+              </a:schemeClr>
+            </a:gs>
+            <a:gs pos="100000">
+              <a:schemeClr val="phClr">
+                <a:shade val="63000"/>
+                <a:satMod val="120000"/>
+              </a:schemeClr>
+            </a:gs>
+          </a:gsLst>
+          <a:lin ang="5400000" scaled="0"/>
+        </a:gradFill>
+      </a:bgFillStyleLst>
+    </a:fmtScheme>
+  </a:themeElements>
+  <a:extLst>
+    <a:ext uri="{05A4C25C-085E-4340-85A3-A5531E510DB2}">
+      <thm15:themeFamily xmlns:thm15="http://schemas.microsoft.com/office/thememl/2012/main" name="Office Theme" id="{62F939B6-93AF-4DB8-9C6B-D6C7DFDC589F}" vid="{4A3C46E8-61CC-4603-A589-7422A47A8E4A}"/>
+    </a:ext>
+  </a:extLst>
+</a:theme>
 </file>